--- a/Exercise 5/DevOpsPipeline.pptx
+++ b/Exercise 5/DevOpsPipeline.pptx
@@ -8,7 +8,7 @@
     <p:sldId id="256" r:id="rId3"/>
   </p:sldIdLst>
   <p:sldSz cx="9144000" cy="5143500"/>
-  <p:notesSz cx="6858000" cy="9144000"/>
+  <p:notesSz cx="7559675" cy="10691812"/>
 </p:presentation>
 </file>
 
@@ -53,7 +53,7 @@
       </p:grpSpPr>
       <p:sp>
         <p:nvSpPr>
-          <p:cNvPr id="24" name="PlaceHolder 1"/>
+          <p:cNvPr id="23" name="PlaceHolder 1"/>
           <p:cNvSpPr>
             <a:spLocks noGrp="1"/>
           </p:cNvSpPr>
@@ -64,7 +64,7 @@
         <p:spPr>
           <a:xfrm>
             <a:off x="311760" y="744480"/>
-            <a:ext cx="8520120" cy="2052360"/>
+            <a:ext cx="8519760" cy="2052000"/>
           </a:xfrm>
           <a:prstGeom prst="rect">
             <a:avLst/>
@@ -75,18 +75,16 @@
             <a:noAutofit/>
           </a:bodyPr>
           <a:p>
-            <a:endParaRPr b="0" lang="de-DE" sz="1400" spc="-1" strike="noStrike">
-              <a:solidFill>
-                <a:srgbClr val="000000"/>
-              </a:solidFill>
-              <a:latin typeface="Arial"/>
-            </a:endParaRPr>
-          </a:p>
-        </p:txBody>
-      </p:sp>
-      <p:sp>
-        <p:nvSpPr>
-          <p:cNvPr id="25" name="PlaceHolder 2"/>
+            <a:pPr algn="ctr"/>
+            <a:endParaRPr b="0" lang="de-DE" sz="4400" spc="-1" strike="noStrike">
+              <a:latin typeface="Arial"/>
+            </a:endParaRPr>
+          </a:p>
+        </p:txBody>
+      </p:sp>
+      <p:sp>
+        <p:nvSpPr>
+          <p:cNvPr id="24" name="PlaceHolder 2"/>
           <p:cNvSpPr>
             <a:spLocks noGrp="1"/>
           </p:cNvSpPr>
@@ -108,18 +106,15 @@
             <a:normAutofit/>
           </a:bodyPr>
           <a:p>
-            <a:endParaRPr b="0" lang="de-DE" sz="1400" spc="-1" strike="noStrike">
-              <a:solidFill>
-                <a:srgbClr val="000000"/>
-              </a:solidFill>
-              <a:latin typeface="Arial"/>
-            </a:endParaRPr>
-          </a:p>
-        </p:txBody>
-      </p:sp>
-      <p:sp>
-        <p:nvSpPr>
-          <p:cNvPr id="26" name="PlaceHolder 3"/>
+            <a:endParaRPr b="0" lang="de-DE" sz="3200" spc="-1" strike="noStrike">
+              <a:latin typeface="Arial"/>
+            </a:endParaRPr>
+          </a:p>
+        </p:txBody>
+      </p:sp>
+      <p:sp>
+        <p:nvSpPr>
+          <p:cNvPr id="25" name="PlaceHolder 3"/>
           <p:cNvSpPr>
             <a:spLocks noGrp="1"/>
           </p:cNvSpPr>
@@ -141,10 +136,7 @@
             <a:normAutofit/>
           </a:bodyPr>
           <a:p>
-            <a:endParaRPr b="0" lang="de-DE" sz="1400" spc="-1" strike="noStrike">
-              <a:solidFill>
-                <a:srgbClr val="000000"/>
-              </a:solidFill>
+            <a:endParaRPr b="0" lang="de-DE" sz="3200" spc="-1" strike="noStrike">
               <a:latin typeface="Arial"/>
             </a:endParaRPr>
           </a:p>
@@ -174,7 +166,7 @@
       </p:grpSpPr>
       <p:sp>
         <p:nvSpPr>
-          <p:cNvPr id="27" name="PlaceHolder 1"/>
+          <p:cNvPr id="26" name="PlaceHolder 1"/>
           <p:cNvSpPr>
             <a:spLocks noGrp="1"/>
           </p:cNvSpPr>
@@ -185,7 +177,7 @@
         <p:spPr>
           <a:xfrm>
             <a:off x="311760" y="744480"/>
-            <a:ext cx="8520120" cy="2052360"/>
+            <a:ext cx="8519760" cy="2052000"/>
           </a:xfrm>
           <a:prstGeom prst="rect">
             <a:avLst/>
@@ -196,18 +188,16 @@
             <a:noAutofit/>
           </a:bodyPr>
           <a:p>
-            <a:endParaRPr b="0" lang="de-DE" sz="1400" spc="-1" strike="noStrike">
-              <a:solidFill>
-                <a:srgbClr val="000000"/>
-              </a:solidFill>
-              <a:latin typeface="Arial"/>
-            </a:endParaRPr>
-          </a:p>
-        </p:txBody>
-      </p:sp>
-      <p:sp>
-        <p:nvSpPr>
-          <p:cNvPr id="28" name="PlaceHolder 2"/>
+            <a:pPr algn="ctr"/>
+            <a:endParaRPr b="0" lang="de-DE" sz="4400" spc="-1" strike="noStrike">
+              <a:latin typeface="Arial"/>
+            </a:endParaRPr>
+          </a:p>
+        </p:txBody>
+      </p:sp>
+      <p:sp>
+        <p:nvSpPr>
+          <p:cNvPr id="27" name="PlaceHolder 2"/>
           <p:cNvSpPr>
             <a:spLocks noGrp="1"/>
           </p:cNvSpPr>
@@ -229,18 +219,15 @@
             <a:normAutofit/>
           </a:bodyPr>
           <a:p>
-            <a:endParaRPr b="0" lang="de-DE" sz="1400" spc="-1" strike="noStrike">
-              <a:solidFill>
-                <a:srgbClr val="000000"/>
-              </a:solidFill>
-              <a:latin typeface="Arial"/>
-            </a:endParaRPr>
-          </a:p>
-        </p:txBody>
-      </p:sp>
-      <p:sp>
-        <p:nvSpPr>
-          <p:cNvPr id="29" name="PlaceHolder 3"/>
+            <a:endParaRPr b="0" lang="de-DE" sz="3200" spc="-1" strike="noStrike">
+              <a:latin typeface="Arial"/>
+            </a:endParaRPr>
+          </a:p>
+        </p:txBody>
+      </p:sp>
+      <p:sp>
+        <p:nvSpPr>
+          <p:cNvPr id="28" name="PlaceHolder 3"/>
           <p:cNvSpPr>
             <a:spLocks noGrp="1"/>
           </p:cNvSpPr>
@@ -262,18 +249,15 @@
             <a:normAutofit/>
           </a:bodyPr>
           <a:p>
-            <a:endParaRPr b="0" lang="de-DE" sz="1400" spc="-1" strike="noStrike">
-              <a:solidFill>
-                <a:srgbClr val="000000"/>
-              </a:solidFill>
-              <a:latin typeface="Arial"/>
-            </a:endParaRPr>
-          </a:p>
-        </p:txBody>
-      </p:sp>
-      <p:sp>
-        <p:nvSpPr>
-          <p:cNvPr id="30" name="PlaceHolder 4"/>
+            <a:endParaRPr b="0" lang="de-DE" sz="3200" spc="-1" strike="noStrike">
+              <a:latin typeface="Arial"/>
+            </a:endParaRPr>
+          </a:p>
+        </p:txBody>
+      </p:sp>
+      <p:sp>
+        <p:nvSpPr>
+          <p:cNvPr id="29" name="PlaceHolder 4"/>
           <p:cNvSpPr>
             <a:spLocks noGrp="1"/>
           </p:cNvSpPr>
@@ -295,18 +279,15 @@
             <a:normAutofit/>
           </a:bodyPr>
           <a:p>
-            <a:endParaRPr b="0" lang="de-DE" sz="1400" spc="-1" strike="noStrike">
-              <a:solidFill>
-                <a:srgbClr val="000000"/>
-              </a:solidFill>
-              <a:latin typeface="Arial"/>
-            </a:endParaRPr>
-          </a:p>
-        </p:txBody>
-      </p:sp>
-      <p:sp>
-        <p:nvSpPr>
-          <p:cNvPr id="31" name="PlaceHolder 5"/>
+            <a:endParaRPr b="0" lang="de-DE" sz="3200" spc="-1" strike="noStrike">
+              <a:latin typeface="Arial"/>
+            </a:endParaRPr>
+          </a:p>
+        </p:txBody>
+      </p:sp>
+      <p:sp>
+        <p:nvSpPr>
+          <p:cNvPr id="30" name="PlaceHolder 5"/>
           <p:cNvSpPr>
             <a:spLocks noGrp="1"/>
           </p:cNvSpPr>
@@ -328,10 +309,7 @@
             <a:normAutofit/>
           </a:bodyPr>
           <a:p>
-            <a:endParaRPr b="0" lang="de-DE" sz="1400" spc="-1" strike="noStrike">
-              <a:solidFill>
-                <a:srgbClr val="000000"/>
-              </a:solidFill>
+            <a:endParaRPr b="0" lang="de-DE" sz="3200" spc="-1" strike="noStrike">
               <a:latin typeface="Arial"/>
             </a:endParaRPr>
           </a:p>
@@ -361,7 +339,7 @@
       </p:grpSpPr>
       <p:sp>
         <p:nvSpPr>
-          <p:cNvPr id="32" name="PlaceHolder 1"/>
+          <p:cNvPr id="31" name="PlaceHolder 1"/>
           <p:cNvSpPr>
             <a:spLocks noGrp="1"/>
           </p:cNvSpPr>
@@ -372,7 +350,7 @@
         <p:spPr>
           <a:xfrm>
             <a:off x="311760" y="744480"/>
-            <a:ext cx="8520120" cy="2052360"/>
+            <a:ext cx="8519760" cy="2052000"/>
           </a:xfrm>
           <a:prstGeom prst="rect">
             <a:avLst/>
@@ -383,18 +361,16 @@
             <a:noAutofit/>
           </a:bodyPr>
           <a:p>
-            <a:endParaRPr b="0" lang="de-DE" sz="1400" spc="-1" strike="noStrike">
-              <a:solidFill>
-                <a:srgbClr val="000000"/>
-              </a:solidFill>
-              <a:latin typeface="Arial"/>
-            </a:endParaRPr>
-          </a:p>
-        </p:txBody>
-      </p:sp>
-      <p:sp>
-        <p:nvSpPr>
-          <p:cNvPr id="33" name="PlaceHolder 2"/>
+            <a:pPr algn="ctr"/>
+            <a:endParaRPr b="0" lang="de-DE" sz="4400" spc="-1" strike="noStrike">
+              <a:latin typeface="Arial"/>
+            </a:endParaRPr>
+          </a:p>
+        </p:txBody>
+      </p:sp>
+      <p:sp>
+        <p:nvSpPr>
+          <p:cNvPr id="32" name="PlaceHolder 2"/>
           <p:cNvSpPr>
             <a:spLocks noGrp="1"/>
           </p:cNvSpPr>
@@ -416,18 +392,15 @@
             <a:normAutofit/>
           </a:bodyPr>
           <a:p>
-            <a:endParaRPr b="0" lang="de-DE" sz="1400" spc="-1" strike="noStrike">
-              <a:solidFill>
-                <a:srgbClr val="000000"/>
-              </a:solidFill>
-              <a:latin typeface="Arial"/>
-            </a:endParaRPr>
-          </a:p>
-        </p:txBody>
-      </p:sp>
-      <p:sp>
-        <p:nvSpPr>
-          <p:cNvPr id="34" name="PlaceHolder 3"/>
+            <a:endParaRPr b="0" lang="de-DE" sz="3200" spc="-1" strike="noStrike">
+              <a:latin typeface="Arial"/>
+            </a:endParaRPr>
+          </a:p>
+        </p:txBody>
+      </p:sp>
+      <p:sp>
+        <p:nvSpPr>
+          <p:cNvPr id="33" name="PlaceHolder 3"/>
           <p:cNvSpPr>
             <a:spLocks noGrp="1"/>
           </p:cNvSpPr>
@@ -449,18 +422,15 @@
             <a:normAutofit/>
           </a:bodyPr>
           <a:p>
-            <a:endParaRPr b="0" lang="de-DE" sz="1400" spc="-1" strike="noStrike">
-              <a:solidFill>
-                <a:srgbClr val="000000"/>
-              </a:solidFill>
-              <a:latin typeface="Arial"/>
-            </a:endParaRPr>
-          </a:p>
-        </p:txBody>
-      </p:sp>
-      <p:sp>
-        <p:nvSpPr>
-          <p:cNvPr id="35" name="PlaceHolder 4"/>
+            <a:endParaRPr b="0" lang="de-DE" sz="3200" spc="-1" strike="noStrike">
+              <a:latin typeface="Arial"/>
+            </a:endParaRPr>
+          </a:p>
+        </p:txBody>
+      </p:sp>
+      <p:sp>
+        <p:nvSpPr>
+          <p:cNvPr id="34" name="PlaceHolder 4"/>
           <p:cNvSpPr>
             <a:spLocks noGrp="1"/>
           </p:cNvSpPr>
@@ -482,18 +452,15 @@
             <a:normAutofit/>
           </a:bodyPr>
           <a:p>
-            <a:endParaRPr b="0" lang="de-DE" sz="1400" spc="-1" strike="noStrike">
-              <a:solidFill>
-                <a:srgbClr val="000000"/>
-              </a:solidFill>
-              <a:latin typeface="Arial"/>
-            </a:endParaRPr>
-          </a:p>
-        </p:txBody>
-      </p:sp>
-      <p:sp>
-        <p:nvSpPr>
-          <p:cNvPr id="36" name="PlaceHolder 5"/>
+            <a:endParaRPr b="0" lang="de-DE" sz="3200" spc="-1" strike="noStrike">
+              <a:latin typeface="Arial"/>
+            </a:endParaRPr>
+          </a:p>
+        </p:txBody>
+      </p:sp>
+      <p:sp>
+        <p:nvSpPr>
+          <p:cNvPr id="35" name="PlaceHolder 5"/>
           <p:cNvSpPr>
             <a:spLocks noGrp="1"/>
           </p:cNvSpPr>
@@ -515,18 +482,15 @@
             <a:normAutofit/>
           </a:bodyPr>
           <a:p>
-            <a:endParaRPr b="0" lang="de-DE" sz="1400" spc="-1" strike="noStrike">
-              <a:solidFill>
-                <a:srgbClr val="000000"/>
-              </a:solidFill>
-              <a:latin typeface="Arial"/>
-            </a:endParaRPr>
-          </a:p>
-        </p:txBody>
-      </p:sp>
-      <p:sp>
-        <p:nvSpPr>
-          <p:cNvPr id="37" name="PlaceHolder 6"/>
+            <a:endParaRPr b="0" lang="de-DE" sz="3200" spc="-1" strike="noStrike">
+              <a:latin typeface="Arial"/>
+            </a:endParaRPr>
+          </a:p>
+        </p:txBody>
+      </p:sp>
+      <p:sp>
+        <p:nvSpPr>
+          <p:cNvPr id="36" name="PlaceHolder 6"/>
           <p:cNvSpPr>
             <a:spLocks noGrp="1"/>
           </p:cNvSpPr>
@@ -548,18 +512,15 @@
             <a:normAutofit/>
           </a:bodyPr>
           <a:p>
-            <a:endParaRPr b="0" lang="de-DE" sz="1400" spc="-1" strike="noStrike">
-              <a:solidFill>
-                <a:srgbClr val="000000"/>
-              </a:solidFill>
-              <a:latin typeface="Arial"/>
-            </a:endParaRPr>
-          </a:p>
-        </p:txBody>
-      </p:sp>
-      <p:sp>
-        <p:nvSpPr>
-          <p:cNvPr id="38" name="PlaceHolder 7"/>
+            <a:endParaRPr b="0" lang="de-DE" sz="3200" spc="-1" strike="noStrike">
+              <a:latin typeface="Arial"/>
+            </a:endParaRPr>
+          </a:p>
+        </p:txBody>
+      </p:sp>
+      <p:sp>
+        <p:nvSpPr>
+          <p:cNvPr id="37" name="PlaceHolder 7"/>
           <p:cNvSpPr>
             <a:spLocks noGrp="1"/>
           </p:cNvSpPr>
@@ -581,10 +542,7 @@
             <a:normAutofit/>
           </a:bodyPr>
           <a:p>
-            <a:endParaRPr b="0" lang="de-DE" sz="1400" spc="-1" strike="noStrike">
-              <a:solidFill>
-                <a:srgbClr val="000000"/>
-              </a:solidFill>
+            <a:endParaRPr b="0" lang="de-DE" sz="3200" spc="-1" strike="noStrike">
               <a:latin typeface="Arial"/>
             </a:endParaRPr>
           </a:p>
@@ -614,7 +572,7 @@
       </p:grpSpPr>
       <p:sp>
         <p:nvSpPr>
-          <p:cNvPr id="3" name="PlaceHolder 1"/>
+          <p:cNvPr id="2" name="PlaceHolder 1"/>
           <p:cNvSpPr>
             <a:spLocks noGrp="1"/>
           </p:cNvSpPr>
@@ -625,7 +583,7 @@
         <p:spPr>
           <a:xfrm>
             <a:off x="311760" y="744480"/>
-            <a:ext cx="8520120" cy="2052360"/>
+            <a:ext cx="8519760" cy="2052000"/>
           </a:xfrm>
           <a:prstGeom prst="rect">
             <a:avLst/>
@@ -636,18 +594,16 @@
             <a:noAutofit/>
           </a:bodyPr>
           <a:p>
-            <a:endParaRPr b="0" lang="de-DE" sz="1400" spc="-1" strike="noStrike">
-              <a:solidFill>
-                <a:srgbClr val="000000"/>
-              </a:solidFill>
-              <a:latin typeface="Arial"/>
-            </a:endParaRPr>
-          </a:p>
-        </p:txBody>
-      </p:sp>
-      <p:sp>
-        <p:nvSpPr>
-          <p:cNvPr id="4" name="PlaceHolder 2"/>
+            <a:pPr algn="ctr"/>
+            <a:endParaRPr b="0" lang="de-DE" sz="4400" spc="-1" strike="noStrike">
+              <a:latin typeface="Arial"/>
+            </a:endParaRPr>
+          </a:p>
+        </p:txBody>
+      </p:sp>
+      <p:sp>
+        <p:nvSpPr>
+          <p:cNvPr id="3" name="PlaceHolder 2"/>
           <p:cNvSpPr>
             <a:spLocks noGrp="1"/>
           </p:cNvSpPr>
@@ -700,7 +656,7 @@
       </p:grpSpPr>
       <p:sp>
         <p:nvSpPr>
-          <p:cNvPr id="5" name="PlaceHolder 1"/>
+          <p:cNvPr id="4" name="PlaceHolder 1"/>
           <p:cNvSpPr>
             <a:spLocks noGrp="1"/>
           </p:cNvSpPr>
@@ -711,7 +667,7 @@
         <p:spPr>
           <a:xfrm>
             <a:off x="311760" y="744480"/>
-            <a:ext cx="8520120" cy="2052360"/>
+            <a:ext cx="8519760" cy="2052000"/>
           </a:xfrm>
           <a:prstGeom prst="rect">
             <a:avLst/>
@@ -722,18 +678,16 @@
             <a:noAutofit/>
           </a:bodyPr>
           <a:p>
-            <a:endParaRPr b="0" lang="de-DE" sz="1400" spc="-1" strike="noStrike">
-              <a:solidFill>
-                <a:srgbClr val="000000"/>
-              </a:solidFill>
-              <a:latin typeface="Arial"/>
-            </a:endParaRPr>
-          </a:p>
-        </p:txBody>
-      </p:sp>
-      <p:sp>
-        <p:nvSpPr>
-          <p:cNvPr id="6" name="PlaceHolder 2"/>
+            <a:pPr algn="ctr"/>
+            <a:endParaRPr b="0" lang="de-DE" sz="4400" spc="-1" strike="noStrike">
+              <a:latin typeface="Arial"/>
+            </a:endParaRPr>
+          </a:p>
+        </p:txBody>
+      </p:sp>
+      <p:sp>
+        <p:nvSpPr>
+          <p:cNvPr id="5" name="PlaceHolder 2"/>
           <p:cNvSpPr>
             <a:spLocks noGrp="1"/>
           </p:cNvSpPr>
@@ -755,10 +709,7 @@
             <a:normAutofit/>
           </a:bodyPr>
           <a:p>
-            <a:endParaRPr b="0" lang="de-DE" sz="1400" spc="-1" strike="noStrike">
-              <a:solidFill>
-                <a:srgbClr val="000000"/>
-              </a:solidFill>
+            <a:endParaRPr b="0" lang="de-DE" sz="3200" spc="-1" strike="noStrike">
               <a:latin typeface="Arial"/>
             </a:endParaRPr>
           </a:p>
@@ -788,7 +739,7 @@
       </p:grpSpPr>
       <p:sp>
         <p:nvSpPr>
-          <p:cNvPr id="7" name="PlaceHolder 1"/>
+          <p:cNvPr id="6" name="PlaceHolder 1"/>
           <p:cNvSpPr>
             <a:spLocks noGrp="1"/>
           </p:cNvSpPr>
@@ -799,7 +750,7 @@
         <p:spPr>
           <a:xfrm>
             <a:off x="311760" y="744480"/>
-            <a:ext cx="8520120" cy="2052360"/>
+            <a:ext cx="8519760" cy="2052000"/>
           </a:xfrm>
           <a:prstGeom prst="rect">
             <a:avLst/>
@@ -810,18 +761,16 @@
             <a:noAutofit/>
           </a:bodyPr>
           <a:p>
-            <a:endParaRPr b="0" lang="de-DE" sz="1400" spc="-1" strike="noStrike">
-              <a:solidFill>
-                <a:srgbClr val="000000"/>
-              </a:solidFill>
-              <a:latin typeface="Arial"/>
-            </a:endParaRPr>
-          </a:p>
-        </p:txBody>
-      </p:sp>
-      <p:sp>
-        <p:nvSpPr>
-          <p:cNvPr id="8" name="PlaceHolder 2"/>
+            <a:pPr algn="ctr"/>
+            <a:endParaRPr b="0" lang="de-DE" sz="4400" spc="-1" strike="noStrike">
+              <a:latin typeface="Arial"/>
+            </a:endParaRPr>
+          </a:p>
+        </p:txBody>
+      </p:sp>
+      <p:sp>
+        <p:nvSpPr>
+          <p:cNvPr id="7" name="PlaceHolder 2"/>
           <p:cNvSpPr>
             <a:spLocks noGrp="1"/>
           </p:cNvSpPr>
@@ -843,18 +792,15 @@
             <a:normAutofit/>
           </a:bodyPr>
           <a:p>
-            <a:endParaRPr b="0" lang="de-DE" sz="1400" spc="-1" strike="noStrike">
-              <a:solidFill>
-                <a:srgbClr val="000000"/>
-              </a:solidFill>
-              <a:latin typeface="Arial"/>
-            </a:endParaRPr>
-          </a:p>
-        </p:txBody>
-      </p:sp>
-      <p:sp>
-        <p:nvSpPr>
-          <p:cNvPr id="9" name="PlaceHolder 3"/>
+            <a:endParaRPr b="0" lang="de-DE" sz="3200" spc="-1" strike="noStrike">
+              <a:latin typeface="Arial"/>
+            </a:endParaRPr>
+          </a:p>
+        </p:txBody>
+      </p:sp>
+      <p:sp>
+        <p:nvSpPr>
+          <p:cNvPr id="8" name="PlaceHolder 3"/>
           <p:cNvSpPr>
             <a:spLocks noGrp="1"/>
           </p:cNvSpPr>
@@ -876,10 +822,7 @@
             <a:normAutofit/>
           </a:bodyPr>
           <a:p>
-            <a:endParaRPr b="0" lang="de-DE" sz="1400" spc="-1" strike="noStrike">
-              <a:solidFill>
-                <a:srgbClr val="000000"/>
-              </a:solidFill>
+            <a:endParaRPr b="0" lang="de-DE" sz="3200" spc="-1" strike="noStrike">
               <a:latin typeface="Arial"/>
             </a:endParaRPr>
           </a:p>
@@ -909,7 +852,7 @@
       </p:grpSpPr>
       <p:sp>
         <p:nvSpPr>
-          <p:cNvPr id="10" name="PlaceHolder 1"/>
+          <p:cNvPr id="9" name="PlaceHolder 1"/>
           <p:cNvSpPr>
             <a:spLocks noGrp="1"/>
           </p:cNvSpPr>
@@ -920,7 +863,7 @@
         <p:spPr>
           <a:xfrm>
             <a:off x="311760" y="744480"/>
-            <a:ext cx="8520120" cy="2052360"/>
+            <a:ext cx="8519760" cy="2052000"/>
           </a:xfrm>
           <a:prstGeom prst="rect">
             <a:avLst/>
@@ -931,10 +874,8 @@
             <a:noAutofit/>
           </a:bodyPr>
           <a:p>
-            <a:endParaRPr b="0" lang="de-DE" sz="1400" spc="-1" strike="noStrike">
-              <a:solidFill>
-                <a:srgbClr val="000000"/>
-              </a:solidFill>
+            <a:pPr algn="ctr"/>
+            <a:endParaRPr b="0" lang="de-DE" sz="4400" spc="-1" strike="noStrike">
               <a:latin typeface="Arial"/>
             </a:endParaRPr>
           </a:p>
@@ -964,7 +905,7 @@
       </p:grpSpPr>
       <p:sp>
         <p:nvSpPr>
-          <p:cNvPr id="11" name="PlaceHolder 1"/>
+          <p:cNvPr id="10" name="PlaceHolder 1"/>
           <p:cNvSpPr>
             <a:spLocks noGrp="1"/>
           </p:cNvSpPr>
@@ -975,7 +916,7 @@
         <p:spPr>
           <a:xfrm>
             <a:off x="311760" y="744480"/>
-            <a:ext cx="8520120" cy="9514800"/>
+            <a:ext cx="8519760" cy="9513000"/>
           </a:xfrm>
           <a:prstGeom prst="rect">
             <a:avLst/>
@@ -1017,7 +958,7 @@
       </p:grpSpPr>
       <p:sp>
         <p:nvSpPr>
-          <p:cNvPr id="12" name="PlaceHolder 1"/>
+          <p:cNvPr id="11" name="PlaceHolder 1"/>
           <p:cNvSpPr>
             <a:spLocks noGrp="1"/>
           </p:cNvSpPr>
@@ -1028,7 +969,7 @@
         <p:spPr>
           <a:xfrm>
             <a:off x="311760" y="744480"/>
-            <a:ext cx="8520120" cy="2052360"/>
+            <a:ext cx="8519760" cy="2052000"/>
           </a:xfrm>
           <a:prstGeom prst="rect">
             <a:avLst/>
@@ -1039,18 +980,16 @@
             <a:noAutofit/>
           </a:bodyPr>
           <a:p>
-            <a:endParaRPr b="0" lang="de-DE" sz="1400" spc="-1" strike="noStrike">
-              <a:solidFill>
-                <a:srgbClr val="000000"/>
-              </a:solidFill>
-              <a:latin typeface="Arial"/>
-            </a:endParaRPr>
-          </a:p>
-        </p:txBody>
-      </p:sp>
-      <p:sp>
-        <p:nvSpPr>
-          <p:cNvPr id="13" name="PlaceHolder 2"/>
+            <a:pPr algn="ctr"/>
+            <a:endParaRPr b="0" lang="de-DE" sz="4400" spc="-1" strike="noStrike">
+              <a:latin typeface="Arial"/>
+            </a:endParaRPr>
+          </a:p>
+        </p:txBody>
+      </p:sp>
+      <p:sp>
+        <p:nvSpPr>
+          <p:cNvPr id="12" name="PlaceHolder 2"/>
           <p:cNvSpPr>
             <a:spLocks noGrp="1"/>
           </p:cNvSpPr>
@@ -1072,18 +1011,15 @@
             <a:normAutofit/>
           </a:bodyPr>
           <a:p>
-            <a:endParaRPr b="0" lang="de-DE" sz="1400" spc="-1" strike="noStrike">
-              <a:solidFill>
-                <a:srgbClr val="000000"/>
-              </a:solidFill>
-              <a:latin typeface="Arial"/>
-            </a:endParaRPr>
-          </a:p>
-        </p:txBody>
-      </p:sp>
-      <p:sp>
-        <p:nvSpPr>
-          <p:cNvPr id="14" name="PlaceHolder 3"/>
+            <a:endParaRPr b="0" lang="de-DE" sz="3200" spc="-1" strike="noStrike">
+              <a:latin typeface="Arial"/>
+            </a:endParaRPr>
+          </a:p>
+        </p:txBody>
+      </p:sp>
+      <p:sp>
+        <p:nvSpPr>
+          <p:cNvPr id="13" name="PlaceHolder 3"/>
           <p:cNvSpPr>
             <a:spLocks noGrp="1"/>
           </p:cNvSpPr>
@@ -1105,18 +1041,15 @@
             <a:normAutofit/>
           </a:bodyPr>
           <a:p>
-            <a:endParaRPr b="0" lang="de-DE" sz="1400" spc="-1" strike="noStrike">
-              <a:solidFill>
-                <a:srgbClr val="000000"/>
-              </a:solidFill>
-              <a:latin typeface="Arial"/>
-            </a:endParaRPr>
-          </a:p>
-        </p:txBody>
-      </p:sp>
-      <p:sp>
-        <p:nvSpPr>
-          <p:cNvPr id="15" name="PlaceHolder 4"/>
+            <a:endParaRPr b="0" lang="de-DE" sz="3200" spc="-1" strike="noStrike">
+              <a:latin typeface="Arial"/>
+            </a:endParaRPr>
+          </a:p>
+        </p:txBody>
+      </p:sp>
+      <p:sp>
+        <p:nvSpPr>
+          <p:cNvPr id="14" name="PlaceHolder 4"/>
           <p:cNvSpPr>
             <a:spLocks noGrp="1"/>
           </p:cNvSpPr>
@@ -1138,10 +1071,7 @@
             <a:normAutofit/>
           </a:bodyPr>
           <a:p>
-            <a:endParaRPr b="0" lang="de-DE" sz="1400" spc="-1" strike="noStrike">
-              <a:solidFill>
-                <a:srgbClr val="000000"/>
-              </a:solidFill>
+            <a:endParaRPr b="0" lang="de-DE" sz="3200" spc="-1" strike="noStrike">
               <a:latin typeface="Arial"/>
             </a:endParaRPr>
           </a:p>
@@ -1171,7 +1101,7 @@
       </p:grpSpPr>
       <p:sp>
         <p:nvSpPr>
-          <p:cNvPr id="16" name="PlaceHolder 1"/>
+          <p:cNvPr id="15" name="PlaceHolder 1"/>
           <p:cNvSpPr>
             <a:spLocks noGrp="1"/>
           </p:cNvSpPr>
@@ -1182,7 +1112,7 @@
         <p:spPr>
           <a:xfrm>
             <a:off x="311760" y="744480"/>
-            <a:ext cx="8520120" cy="2052360"/>
+            <a:ext cx="8519760" cy="2052000"/>
           </a:xfrm>
           <a:prstGeom prst="rect">
             <a:avLst/>
@@ -1193,18 +1123,16 @@
             <a:noAutofit/>
           </a:bodyPr>
           <a:p>
-            <a:endParaRPr b="0" lang="de-DE" sz="1400" spc="-1" strike="noStrike">
-              <a:solidFill>
-                <a:srgbClr val="000000"/>
-              </a:solidFill>
-              <a:latin typeface="Arial"/>
-            </a:endParaRPr>
-          </a:p>
-        </p:txBody>
-      </p:sp>
-      <p:sp>
-        <p:nvSpPr>
-          <p:cNvPr id="17" name="PlaceHolder 2"/>
+            <a:pPr algn="ctr"/>
+            <a:endParaRPr b="0" lang="de-DE" sz="4400" spc="-1" strike="noStrike">
+              <a:latin typeface="Arial"/>
+            </a:endParaRPr>
+          </a:p>
+        </p:txBody>
+      </p:sp>
+      <p:sp>
+        <p:nvSpPr>
+          <p:cNvPr id="16" name="PlaceHolder 2"/>
           <p:cNvSpPr>
             <a:spLocks noGrp="1"/>
           </p:cNvSpPr>
@@ -1226,18 +1154,15 @@
             <a:normAutofit/>
           </a:bodyPr>
           <a:p>
-            <a:endParaRPr b="0" lang="de-DE" sz="1400" spc="-1" strike="noStrike">
-              <a:solidFill>
-                <a:srgbClr val="000000"/>
-              </a:solidFill>
-              <a:latin typeface="Arial"/>
-            </a:endParaRPr>
-          </a:p>
-        </p:txBody>
-      </p:sp>
-      <p:sp>
-        <p:nvSpPr>
-          <p:cNvPr id="18" name="PlaceHolder 3"/>
+            <a:endParaRPr b="0" lang="de-DE" sz="3200" spc="-1" strike="noStrike">
+              <a:latin typeface="Arial"/>
+            </a:endParaRPr>
+          </a:p>
+        </p:txBody>
+      </p:sp>
+      <p:sp>
+        <p:nvSpPr>
+          <p:cNvPr id="17" name="PlaceHolder 3"/>
           <p:cNvSpPr>
             <a:spLocks noGrp="1"/>
           </p:cNvSpPr>
@@ -1259,18 +1184,15 @@
             <a:normAutofit/>
           </a:bodyPr>
           <a:p>
-            <a:endParaRPr b="0" lang="de-DE" sz="1400" spc="-1" strike="noStrike">
-              <a:solidFill>
-                <a:srgbClr val="000000"/>
-              </a:solidFill>
-              <a:latin typeface="Arial"/>
-            </a:endParaRPr>
-          </a:p>
-        </p:txBody>
-      </p:sp>
-      <p:sp>
-        <p:nvSpPr>
-          <p:cNvPr id="19" name="PlaceHolder 4"/>
+            <a:endParaRPr b="0" lang="de-DE" sz="3200" spc="-1" strike="noStrike">
+              <a:latin typeface="Arial"/>
+            </a:endParaRPr>
+          </a:p>
+        </p:txBody>
+      </p:sp>
+      <p:sp>
+        <p:nvSpPr>
+          <p:cNvPr id="18" name="PlaceHolder 4"/>
           <p:cNvSpPr>
             <a:spLocks noGrp="1"/>
           </p:cNvSpPr>
@@ -1292,10 +1214,7 @@
             <a:normAutofit/>
           </a:bodyPr>
           <a:p>
-            <a:endParaRPr b="0" lang="de-DE" sz="1400" spc="-1" strike="noStrike">
-              <a:solidFill>
-                <a:srgbClr val="000000"/>
-              </a:solidFill>
+            <a:endParaRPr b="0" lang="de-DE" sz="3200" spc="-1" strike="noStrike">
               <a:latin typeface="Arial"/>
             </a:endParaRPr>
           </a:p>
@@ -1325,7 +1244,7 @@
       </p:grpSpPr>
       <p:sp>
         <p:nvSpPr>
-          <p:cNvPr id="20" name="PlaceHolder 1"/>
+          <p:cNvPr id="19" name="PlaceHolder 1"/>
           <p:cNvSpPr>
             <a:spLocks noGrp="1"/>
           </p:cNvSpPr>
@@ -1336,7 +1255,7 @@
         <p:spPr>
           <a:xfrm>
             <a:off x="311760" y="744480"/>
-            <a:ext cx="8520120" cy="2052360"/>
+            <a:ext cx="8519760" cy="2052000"/>
           </a:xfrm>
           <a:prstGeom prst="rect">
             <a:avLst/>
@@ -1347,18 +1266,16 @@
             <a:noAutofit/>
           </a:bodyPr>
           <a:p>
-            <a:endParaRPr b="0" lang="de-DE" sz="1400" spc="-1" strike="noStrike">
-              <a:solidFill>
-                <a:srgbClr val="000000"/>
-              </a:solidFill>
-              <a:latin typeface="Arial"/>
-            </a:endParaRPr>
-          </a:p>
-        </p:txBody>
-      </p:sp>
-      <p:sp>
-        <p:nvSpPr>
-          <p:cNvPr id="21" name="PlaceHolder 2"/>
+            <a:pPr algn="ctr"/>
+            <a:endParaRPr b="0" lang="de-DE" sz="4400" spc="-1" strike="noStrike">
+              <a:latin typeface="Arial"/>
+            </a:endParaRPr>
+          </a:p>
+        </p:txBody>
+      </p:sp>
+      <p:sp>
+        <p:nvSpPr>
+          <p:cNvPr id="20" name="PlaceHolder 2"/>
           <p:cNvSpPr>
             <a:spLocks noGrp="1"/>
           </p:cNvSpPr>
@@ -1380,18 +1297,15 @@
             <a:normAutofit/>
           </a:bodyPr>
           <a:p>
-            <a:endParaRPr b="0" lang="de-DE" sz="1400" spc="-1" strike="noStrike">
-              <a:solidFill>
-                <a:srgbClr val="000000"/>
-              </a:solidFill>
-              <a:latin typeface="Arial"/>
-            </a:endParaRPr>
-          </a:p>
-        </p:txBody>
-      </p:sp>
-      <p:sp>
-        <p:nvSpPr>
-          <p:cNvPr id="22" name="PlaceHolder 3"/>
+            <a:endParaRPr b="0" lang="de-DE" sz="3200" spc="-1" strike="noStrike">
+              <a:latin typeface="Arial"/>
+            </a:endParaRPr>
+          </a:p>
+        </p:txBody>
+      </p:sp>
+      <p:sp>
+        <p:nvSpPr>
+          <p:cNvPr id="21" name="PlaceHolder 3"/>
           <p:cNvSpPr>
             <a:spLocks noGrp="1"/>
           </p:cNvSpPr>
@@ -1413,18 +1327,15 @@
             <a:normAutofit/>
           </a:bodyPr>
           <a:p>
-            <a:endParaRPr b="0" lang="de-DE" sz="1400" spc="-1" strike="noStrike">
-              <a:solidFill>
-                <a:srgbClr val="000000"/>
-              </a:solidFill>
-              <a:latin typeface="Arial"/>
-            </a:endParaRPr>
-          </a:p>
-        </p:txBody>
-      </p:sp>
-      <p:sp>
-        <p:nvSpPr>
-          <p:cNvPr id="23" name="PlaceHolder 4"/>
+            <a:endParaRPr b="0" lang="de-DE" sz="3200" spc="-1" strike="noStrike">
+              <a:latin typeface="Arial"/>
+            </a:endParaRPr>
+          </a:p>
+        </p:txBody>
+      </p:sp>
+      <p:sp>
+        <p:nvSpPr>
+          <p:cNvPr id="22" name="PlaceHolder 4"/>
           <p:cNvSpPr>
             <a:spLocks noGrp="1"/>
           </p:cNvSpPr>
@@ -1446,10 +1357,7 @@
             <a:normAutofit/>
           </a:bodyPr>
           <a:p>
-            <a:endParaRPr b="0" lang="de-DE" sz="1400" spc="-1" strike="noStrike">
-              <a:solidFill>
-                <a:srgbClr val="000000"/>
-              </a:solidFill>
+            <a:endParaRPr b="0" lang="de-DE" sz="3200" spc="-1" strike="noStrike">
               <a:latin typeface="Arial"/>
             </a:endParaRPr>
           </a:p>
@@ -1497,30 +1405,24 @@
         <p:spPr>
           <a:xfrm>
             <a:off x="311760" y="744480"/>
-            <a:ext cx="8520120" cy="2052360"/>
-          </a:xfrm>
-          <a:prstGeom prst="rect">
-            <a:avLst/>
-          </a:prstGeom>
-        </p:spPr>
-        <p:txBody>
-          <a:bodyPr tIns="91440" bIns="91440" anchor="b">
+            <a:ext cx="8519760" cy="2052000"/>
+          </a:xfrm>
+          <a:prstGeom prst="rect">
+            <a:avLst/>
+          </a:prstGeom>
+        </p:spPr>
+        <p:txBody>
+          <a:bodyPr lIns="0" rIns="0" tIns="0" bIns="0" anchor="ctr">
             <a:noAutofit/>
           </a:bodyPr>
           <a:p>
             <a:r>
-              <a:rPr b="0" lang="de-DE" sz="5200" spc="-1" strike="noStrike">
-                <a:solidFill>
-                  <a:srgbClr val="000000"/>
-                </a:solidFill>
+              <a:rPr b="0" lang="de-DE" sz="1800" spc="-1" strike="noStrike">
                 <a:latin typeface="Arial"/>
               </a:rPr>
               <a:t>Format des Titeltextes durch Klicken bearbeiten</a:t>
             </a:r>
-            <a:endParaRPr b="0" lang="de-DE" sz="5200" spc="-1" strike="noStrike">
-              <a:solidFill>
-                <a:srgbClr val="000000"/>
-              </a:solidFill>
+            <a:endParaRPr b="0" lang="de-DE" sz="1800" spc="-1" strike="noStrike">
               <a:latin typeface="Arial"/>
             </a:endParaRPr>
           </a:p>
@@ -1529,54 +1431,6 @@
       <p:sp>
         <p:nvSpPr>
           <p:cNvPr id="1" name="PlaceHolder 2"/>
-          <p:cNvSpPr>
-            <a:spLocks noGrp="1"/>
-          </p:cNvSpPr>
-          <p:nvPr>
-            <p:ph type="sldNum"/>
-          </p:nvPr>
-        </p:nvSpPr>
-        <p:spPr>
-          <a:xfrm>
-            <a:off x="8472600" y="4663080"/>
-            <a:ext cx="548280" cy="393120"/>
-          </a:xfrm>
-          <a:prstGeom prst="rect">
-            <a:avLst/>
-          </a:prstGeom>
-        </p:spPr>
-        <p:txBody>
-          <a:bodyPr tIns="91440" bIns="91440" anchor="ctr">
-            <a:noAutofit/>
-          </a:bodyPr>
-          <a:p>
-            <a:pPr algn="r">
-              <a:lnSpc>
-                <a:spcPct val="100000"/>
-              </a:lnSpc>
-              <a:tabLst>
-                <a:tab algn="l" pos="0"/>
-              </a:tabLst>
-            </a:pPr>
-            <a:fld id="{14BD1778-E8F4-4CFD-B2A5-3EA8929263E3}" type="slidenum">
-              <a:rPr b="0" lang="en" sz="1000" spc="-1" strike="noStrike">
-                <a:solidFill>
-                  <a:srgbClr val="595959"/>
-                </a:solidFill>
-                <a:latin typeface="Arial"/>
-                <a:ea typeface="Arial"/>
-              </a:rPr>
-              <a:t>&lt;Foliennummer&gt;</a:t>
-            </a:fld>
-            <a:endParaRPr b="0" lang="de-DE" sz="1000" spc="-1" strike="noStrike">
-              <a:latin typeface="Times New Roman"/>
-            </a:endParaRPr>
-          </a:p>
-        </p:txBody>
-      </p:sp>
-      <p:sp>
-        <p:nvSpPr>
-          <p:cNvPr id="2" name="PlaceHolder 3"/>
           <p:cNvSpPr>
             <a:spLocks noGrp="1"/>
           </p:cNvSpPr>
@@ -1595,7 +1449,7 @@
         </p:spPr>
         <p:txBody>
           <a:bodyPr lIns="0" rIns="0" tIns="0" bIns="0">
-            <a:normAutofit/>
+            <a:normAutofit fontScale="80000"/>
           </a:bodyPr>
           <a:p>
             <a:pPr marL="432000" indent="-324000">
@@ -1610,18 +1464,12 @@
               <a:buChar char=""/>
             </a:pPr>
             <a:r>
-              <a:rPr b="0" lang="de-DE" sz="1400" spc="-1" strike="noStrike">
-                <a:solidFill>
-                  <a:srgbClr val="000000"/>
-                </a:solidFill>
+              <a:rPr b="0" lang="de-DE" sz="3200" spc="-1" strike="noStrike">
                 <a:latin typeface="Arial"/>
               </a:rPr>
               <a:t>Format des Gliederungstextes durch Klicken bearbeiten</a:t>
             </a:r>
-            <a:endParaRPr b="0" lang="de-DE" sz="1400" spc="-1" strike="noStrike">
-              <a:solidFill>
-                <a:srgbClr val="000000"/>
-              </a:solidFill>
+            <a:endParaRPr b="0" lang="de-DE" sz="3200" spc="-1" strike="noStrike">
               <a:latin typeface="Arial"/>
             </a:endParaRPr>
           </a:p>
@@ -1638,18 +1486,12 @@
               <a:buChar char=""/>
             </a:pPr>
             <a:r>
-              <a:rPr b="0" lang="de-DE" sz="1400" spc="-1" strike="noStrike">
-                <a:solidFill>
-                  <a:srgbClr val="000000"/>
-                </a:solidFill>
+              <a:rPr b="0" lang="de-DE" sz="2800" spc="-1" strike="noStrike">
                 <a:latin typeface="Arial"/>
               </a:rPr>
               <a:t>Zweite Gliederungsebene</a:t>
             </a:r>
-            <a:endParaRPr b="0" lang="de-DE" sz="1400" spc="-1" strike="noStrike">
-              <a:solidFill>
-                <a:srgbClr val="000000"/>
-              </a:solidFill>
+            <a:endParaRPr b="0" lang="de-DE" sz="2800" spc="-1" strike="noStrike">
               <a:latin typeface="Arial"/>
             </a:endParaRPr>
           </a:p>
@@ -1666,18 +1508,12 @@
               <a:buChar char=""/>
             </a:pPr>
             <a:r>
-              <a:rPr b="0" lang="de-DE" sz="1400" spc="-1" strike="noStrike">
-                <a:solidFill>
-                  <a:srgbClr val="000000"/>
-                </a:solidFill>
+              <a:rPr b="0" lang="de-DE" sz="2400" spc="-1" strike="noStrike">
                 <a:latin typeface="Arial"/>
               </a:rPr>
               <a:t>Dritte Gliederungsebene</a:t>
             </a:r>
-            <a:endParaRPr b="0" lang="de-DE" sz="1400" spc="-1" strike="noStrike">
-              <a:solidFill>
-                <a:srgbClr val="000000"/>
-              </a:solidFill>
+            <a:endParaRPr b="0" lang="de-DE" sz="2400" spc="-1" strike="noStrike">
               <a:latin typeface="Arial"/>
             </a:endParaRPr>
           </a:p>
@@ -1694,18 +1530,12 @@
               <a:buChar char=""/>
             </a:pPr>
             <a:r>
-              <a:rPr b="0" lang="de-DE" sz="1400" spc="-1" strike="noStrike">
-                <a:solidFill>
-                  <a:srgbClr val="000000"/>
-                </a:solidFill>
+              <a:rPr b="0" lang="de-DE" sz="2000" spc="-1" strike="noStrike">
                 <a:latin typeface="Arial"/>
               </a:rPr>
               <a:t>Vierte Gliederungsebene</a:t>
             </a:r>
-            <a:endParaRPr b="0" lang="de-DE" sz="1400" spc="-1" strike="noStrike">
-              <a:solidFill>
-                <a:srgbClr val="000000"/>
-              </a:solidFill>
+            <a:endParaRPr b="0" lang="de-DE" sz="2000" spc="-1" strike="noStrike">
               <a:latin typeface="Arial"/>
             </a:endParaRPr>
           </a:p>
@@ -1723,17 +1553,11 @@
             </a:pPr>
             <a:r>
               <a:rPr b="0" lang="de-DE" sz="2000" spc="-1" strike="noStrike">
-                <a:solidFill>
-                  <a:srgbClr val="000000"/>
-                </a:solidFill>
                 <a:latin typeface="Arial"/>
               </a:rPr>
               <a:t>Fünfte Gliederungsebene</a:t>
             </a:r>
             <a:endParaRPr b="0" lang="de-DE" sz="2000" spc="-1" strike="noStrike">
-              <a:solidFill>
-                <a:srgbClr val="000000"/>
-              </a:solidFill>
               <a:latin typeface="Arial"/>
             </a:endParaRPr>
           </a:p>
@@ -1751,17 +1575,11 @@
             </a:pPr>
             <a:r>
               <a:rPr b="0" lang="de-DE" sz="2000" spc="-1" strike="noStrike">
-                <a:solidFill>
-                  <a:srgbClr val="000000"/>
-                </a:solidFill>
                 <a:latin typeface="Arial"/>
               </a:rPr>
               <a:t>Sechste Gliederungsebene</a:t>
             </a:r>
             <a:endParaRPr b="0" lang="de-DE" sz="2000" spc="-1" strike="noStrike">
-              <a:solidFill>
-                <a:srgbClr val="000000"/>
-              </a:solidFill>
               <a:latin typeface="Arial"/>
             </a:endParaRPr>
           </a:p>
@@ -1779,17 +1597,11 @@
             </a:pPr>
             <a:r>
               <a:rPr b="0" lang="de-DE" sz="2000" spc="-1" strike="noStrike">
-                <a:solidFill>
-                  <a:srgbClr val="000000"/>
-                </a:solidFill>
                 <a:latin typeface="Arial"/>
               </a:rPr>
               <a:t>Siebte Gliederungsebene</a:t>
             </a:r>
             <a:endParaRPr b="0" lang="de-DE" sz="2000" spc="-1" strike="noStrike">
-              <a:solidFill>
-                <a:srgbClr val="000000"/>
-              </a:solidFill>
               <a:latin typeface="Arial"/>
             </a:endParaRPr>
           </a:p>
@@ -1834,14 +1646,14 @@
       </p:grpSpPr>
       <p:sp>
         <p:nvSpPr>
-          <p:cNvPr id="39" name="CustomShape 1"/>
+          <p:cNvPr id="38" name="CustomShape 1"/>
           <p:cNvSpPr/>
           <p:nvPr/>
         </p:nvSpPr>
         <p:spPr>
           <a:xfrm>
             <a:off x="2441520" y="1139400"/>
-            <a:ext cx="1307520" cy="597240"/>
+            <a:ext cx="1307160" cy="596880"/>
           </a:xfrm>
           <a:prstGeom prst="rect">
             <a:avLst/>
@@ -1860,7 +1672,7 @@
           <a:fontRef idx="minor"/>
         </p:style>
         <p:txBody>
-          <a:bodyPr tIns="91440" bIns="91440" anchor="ctr">
+          <a:bodyPr lIns="90000" rIns="90000" tIns="91440" bIns="91440" anchor="ctr">
             <a:noAutofit/>
           </a:bodyPr>
           <a:p>
@@ -1890,14 +1702,14 @@
       </p:sp>
       <p:sp>
         <p:nvSpPr>
-          <p:cNvPr id="40" name="CustomShape 2"/>
+          <p:cNvPr id="39" name="CustomShape 2"/>
           <p:cNvSpPr/>
           <p:nvPr/>
         </p:nvSpPr>
         <p:spPr>
           <a:xfrm>
             <a:off x="6805080" y="2111400"/>
-            <a:ext cx="1666080" cy="597240"/>
+            <a:ext cx="1665720" cy="596880"/>
           </a:xfrm>
           <a:prstGeom prst="rect">
             <a:avLst/>
@@ -1916,7 +1728,7 @@
           <a:fontRef idx="minor"/>
         </p:style>
         <p:txBody>
-          <a:bodyPr tIns="91440" bIns="91440" anchor="ctr">
+          <a:bodyPr lIns="90000" rIns="90000" tIns="91440" bIns="91440" anchor="ctr">
             <a:noAutofit/>
           </a:bodyPr>
           <a:p>
@@ -1946,14 +1758,14 @@
       </p:sp>
       <p:sp>
         <p:nvSpPr>
-          <p:cNvPr id="41" name="CustomShape 3"/>
+          <p:cNvPr id="40" name="CustomShape 3"/>
           <p:cNvSpPr/>
           <p:nvPr/>
         </p:nvSpPr>
         <p:spPr>
           <a:xfrm>
             <a:off x="4623120" y="2111400"/>
-            <a:ext cx="1307520" cy="597240"/>
+            <a:ext cx="1307160" cy="596880"/>
           </a:xfrm>
           <a:prstGeom prst="rect">
             <a:avLst/>
@@ -1972,7 +1784,7 @@
           <a:fontRef idx="minor"/>
         </p:style>
         <p:txBody>
-          <a:bodyPr tIns="91440" bIns="91440" anchor="ctr">
+          <a:bodyPr lIns="90000" rIns="90000" tIns="91440" bIns="91440" anchor="ctr">
             <a:noAutofit/>
           </a:bodyPr>
           <a:p>
@@ -2002,14 +1814,14 @@
       </p:sp>
       <p:sp>
         <p:nvSpPr>
-          <p:cNvPr id="42" name="CustomShape 4"/>
+          <p:cNvPr id="41" name="CustomShape 4"/>
           <p:cNvSpPr/>
           <p:nvPr/>
         </p:nvSpPr>
         <p:spPr>
           <a:xfrm>
             <a:off x="298440" y="566280"/>
-            <a:ext cx="1307520" cy="597240"/>
+            <a:ext cx="1307160" cy="596880"/>
           </a:xfrm>
           <a:prstGeom prst="rect">
             <a:avLst/>
@@ -2028,7 +1840,7 @@
           <a:fontRef idx="minor"/>
         </p:style>
         <p:txBody>
-          <a:bodyPr tIns="91440" bIns="91440" anchor="ctr">
+          <a:bodyPr lIns="90000" rIns="90000" tIns="91440" bIns="91440" anchor="ctr">
             <a:noAutofit/>
           </a:bodyPr>
           <a:p>
@@ -2058,14 +1870,14 @@
       </p:sp>
       <p:sp>
         <p:nvSpPr>
-          <p:cNvPr id="43" name="CustomShape 5"/>
+          <p:cNvPr id="42" name="CustomShape 5"/>
           <p:cNvSpPr/>
           <p:nvPr/>
         </p:nvSpPr>
         <p:spPr>
           <a:xfrm>
             <a:off x="298440" y="2672280"/>
-            <a:ext cx="1307520" cy="597240"/>
+            <a:ext cx="1307160" cy="596880"/>
           </a:xfrm>
           <a:prstGeom prst="rect">
             <a:avLst/>
@@ -2084,7 +1896,7 @@
           <a:fontRef idx="minor"/>
         </p:style>
         <p:txBody>
-          <a:bodyPr tIns="91440" bIns="91440" anchor="ctr">
+          <a:bodyPr lIns="90000" rIns="90000" tIns="91440" bIns="91440" anchor="ctr">
             <a:noAutofit/>
           </a:bodyPr>
           <a:p>
@@ -2114,14 +1926,14 @@
       </p:sp>
       <p:sp>
         <p:nvSpPr>
-          <p:cNvPr id="44" name="CustomShape 6"/>
+          <p:cNvPr id="43" name="CustomShape 6"/>
           <p:cNvSpPr/>
           <p:nvPr/>
         </p:nvSpPr>
         <p:spPr>
           <a:xfrm>
             <a:off x="1606320" y="865080"/>
-            <a:ext cx="1488600" cy="237960"/>
+            <a:ext cx="1488240" cy="237600"/>
           </a:xfrm>
           <a:prstGeom prst="bentConnector2">
             <a:avLst/>
@@ -2144,14 +1956,14 @@
       </p:sp>
       <p:sp>
         <p:nvSpPr>
-          <p:cNvPr id="45" name="CustomShape 7"/>
+          <p:cNvPr id="44" name="CustomShape 7"/>
           <p:cNvSpPr/>
           <p:nvPr/>
         </p:nvSpPr>
         <p:spPr>
           <a:xfrm flipH="1" rot="10800000">
-            <a:off x="1605600" y="2708640"/>
-            <a:ext cx="3722040" cy="315360"/>
+            <a:off x="1605960" y="2709000"/>
+            <a:ext cx="3721680" cy="315000"/>
           </a:xfrm>
           <a:prstGeom prst="bentConnector2">
             <a:avLst/>
@@ -2174,14 +1986,14 @@
       </p:sp>
       <p:sp>
         <p:nvSpPr>
-          <p:cNvPr id="46" name="CustomShape 8"/>
+          <p:cNvPr id="45" name="CustomShape 8"/>
           <p:cNvSpPr/>
           <p:nvPr/>
         </p:nvSpPr>
         <p:spPr>
           <a:xfrm>
             <a:off x="3749400" y="2410200"/>
-            <a:ext cx="873720" cy="360"/>
+            <a:ext cx="873360" cy="360"/>
           </a:xfrm>
           <a:prstGeom prst="bentConnector3">
             <a:avLst>
@@ -2206,14 +2018,14 @@
       </p:sp>
       <p:sp>
         <p:nvSpPr>
-          <p:cNvPr id="47" name="CustomShape 9"/>
+          <p:cNvPr id="46" name="CustomShape 9"/>
           <p:cNvSpPr/>
           <p:nvPr/>
         </p:nvSpPr>
         <p:spPr>
           <a:xfrm>
             <a:off x="5931360" y="2410200"/>
-            <a:ext cx="873720" cy="360"/>
+            <a:ext cx="873360" cy="360"/>
           </a:xfrm>
           <a:prstGeom prst="bentConnector3">
             <a:avLst>
@@ -2238,14 +2050,14 @@
       </p:sp>
       <p:sp>
         <p:nvSpPr>
-          <p:cNvPr id="48" name="CustomShape 10"/>
+          <p:cNvPr id="47" name="CustomShape 10"/>
           <p:cNvSpPr/>
           <p:nvPr/>
         </p:nvSpPr>
         <p:spPr>
           <a:xfrm>
             <a:off x="298440" y="2672280"/>
-            <a:ext cx="1307520" cy="597240"/>
+            <a:ext cx="1307160" cy="596880"/>
           </a:xfrm>
           <a:prstGeom prst="rect">
             <a:avLst/>
@@ -2264,7 +2076,7 @@
           <a:fontRef idx="minor"/>
         </p:style>
         <p:txBody>
-          <a:bodyPr tIns="91440" bIns="91440" anchor="ctr">
+          <a:bodyPr lIns="90000" rIns="90000" tIns="91440" bIns="91440" anchor="ctr">
             <a:noAutofit/>
           </a:bodyPr>
           <a:p>
@@ -2294,14 +2106,14 @@
       </p:sp>
       <p:sp>
         <p:nvSpPr>
-          <p:cNvPr id="49" name="CustomShape 11"/>
+          <p:cNvPr id="48" name="CustomShape 11"/>
           <p:cNvSpPr/>
           <p:nvPr/>
         </p:nvSpPr>
         <p:spPr>
           <a:xfrm>
             <a:off x="2508480" y="2786760"/>
-            <a:ext cx="1307520" cy="597240"/>
+            <a:ext cx="1307160" cy="596880"/>
           </a:xfrm>
           <a:prstGeom prst="rect">
             <a:avLst/>
@@ -2320,7 +2132,7 @@
           <a:fontRef idx="minor"/>
         </p:style>
         <p:txBody>
-          <a:bodyPr tIns="91440" bIns="91440" anchor="ctr">
+          <a:bodyPr lIns="90000" rIns="90000" tIns="91440" bIns="91440" anchor="ctr">
             <a:noAutofit/>
           </a:bodyPr>
           <a:p>
@@ -2340,7 +2152,18 @@
                 <a:latin typeface="Arial"/>
                 <a:ea typeface="Arial"/>
               </a:rPr>
-              <a:t>Infrastructure as code compliance scanning.</a:t>
+              <a:t>Infrastructure as code compliance scanning</a:t>
+            </a:r>
+            <a:br/>
+            <a:r>
+              <a:rPr b="0" lang="en" sz="1000" spc="-1" strike="noStrike">
+                <a:solidFill>
+                  <a:srgbClr val="000000"/>
+                </a:solidFill>
+                <a:latin typeface="Arial"/>
+                <a:ea typeface="Arial"/>
+              </a:rPr>
+              <a:t>(Tool: terrascan)</a:t>
             </a:r>
             <a:endParaRPr b="0" lang="de-DE" sz="1000" spc="-1" strike="noStrike">
               <a:latin typeface="Arial"/>
@@ -2350,14 +2173,14 @@
       </p:sp>
       <p:sp>
         <p:nvSpPr>
-          <p:cNvPr id="50" name="CustomShape 12"/>
+          <p:cNvPr id="49" name="CustomShape 12"/>
           <p:cNvSpPr/>
           <p:nvPr/>
         </p:nvSpPr>
         <p:spPr>
           <a:xfrm>
             <a:off x="6912000" y="3866760"/>
-            <a:ext cx="1307520" cy="597240"/>
+            <a:ext cx="1307160" cy="741240"/>
           </a:xfrm>
           <a:prstGeom prst="rect">
             <a:avLst/>
@@ -2376,7 +2199,7 @@
           <a:fontRef idx="minor"/>
         </p:style>
         <p:txBody>
-          <a:bodyPr tIns="91440" bIns="91440" anchor="ctr">
+          <a:bodyPr lIns="90000" rIns="90000" tIns="91440" bIns="91440" anchor="ctr">
             <a:noAutofit/>
           </a:bodyPr>
           <a:p>
@@ -2396,7 +2219,18 @@
                 <a:latin typeface="Arial"/>
                 <a:ea typeface="Arial"/>
               </a:rPr>
-              <a:t>Post-deployment compliance scanning.</a:t>
+              <a:t>Post-deployment compliance scanning</a:t>
+            </a:r>
+            <a:br/>
+            <a:r>
+              <a:rPr b="0" lang="en" sz="1000" spc="-1" strike="noStrike">
+                <a:solidFill>
+                  <a:srgbClr val="000000"/>
+                </a:solidFill>
+                <a:latin typeface="Arial"/>
+                <a:ea typeface="Arial"/>
+              </a:rPr>
+              <a:t>(Tool: AWS config)</a:t>
             </a:r>
             <a:endParaRPr b="0" lang="de-DE" sz="1000" spc="-1" strike="noStrike">
               <a:latin typeface="Arial"/>
@@ -2406,7 +2240,7 @@
       </p:sp>
       <p:sp>
         <p:nvSpPr>
-          <p:cNvPr id="51" name="Line 13"/>
+          <p:cNvPr id="50" name="Line 13"/>
           <p:cNvSpPr/>
           <p:nvPr/>
         </p:nvSpPr>
@@ -2434,14 +2268,14 @@
       </p:sp>
       <p:sp>
         <p:nvSpPr>
-          <p:cNvPr id="52" name="CustomShape 14"/>
+          <p:cNvPr id="51" name="CustomShape 14"/>
           <p:cNvSpPr/>
           <p:nvPr/>
         </p:nvSpPr>
         <p:spPr>
           <a:xfrm>
             <a:off x="2441520" y="2039400"/>
-            <a:ext cx="1307520" cy="597240"/>
+            <a:ext cx="1307160" cy="596880"/>
           </a:xfrm>
           <a:prstGeom prst="rect">
             <a:avLst/>
@@ -2460,7 +2294,7 @@
           <a:fontRef idx="minor"/>
         </p:style>
         <p:txBody>
-          <a:bodyPr tIns="91440" bIns="91440" anchor="ctr">
+          <a:bodyPr lIns="90000" rIns="90000" tIns="91440" bIns="91440" anchor="ctr">
             <a:noAutofit/>
           </a:bodyPr>
           <a:p>
@@ -2482,6 +2316,17 @@
               </a:rPr>
               <a:t>AMI or container image scanning</a:t>
             </a:r>
+            <a:br/>
+            <a:r>
+              <a:rPr b="0" lang="en" sz="1000" spc="-1" strike="noStrike">
+                <a:solidFill>
+                  <a:srgbClr val="000000"/>
+                </a:solidFill>
+                <a:latin typeface="Arial"/>
+                <a:ea typeface="Arial"/>
+              </a:rPr>
+              <a:t>(Tool: ANCHORE ENGINE)</a:t>
+            </a:r>
             <a:endParaRPr b="0" lang="de-DE" sz="1000" spc="-1" strike="noStrike">
               <a:latin typeface="Arial"/>
             </a:endParaRPr>
@@ -2490,7 +2335,7 @@
       </p:sp>
       <p:sp>
         <p:nvSpPr>
-          <p:cNvPr id="53" name="Line 15"/>
+          <p:cNvPr id="52" name="Line 15"/>
           <p:cNvSpPr/>
           <p:nvPr/>
         </p:nvSpPr>
